--- a/ppt 16-9/1244.青年！青年！.pptx
+++ b/ppt 16-9/1244.青年！青年！.pptx
@@ -5,7 +5,7 @@
     <p:sldMasterId id="2147483648" r:id="rId1"/>
   </p:sldMasterIdLst>
   <p:sldIdLst>
-    <p:sldId id="784" r:id="rId2"/>
+    <p:sldId id="785" r:id="rId2"/>
   </p:sldIdLst>
   <p:sldSz cx="12192000" cy="6858000"/>
   <p:notesSz cx="6858000" cy="9144000"/>
@@ -129,7 +129,7 @@
           <p:cNvPr id="2" name="标题 1">
             <a:extLst>
               <a:ext uri="{FF2B5EF4-FFF2-40B4-BE49-F238E27FC236}">
-                <a16:creationId xmlns:a16="http://schemas.microsoft.com/office/drawing/2014/main" id="{400E7FB3-4E79-C09F-2C18-60140F691546}"/>
+                <a16:creationId xmlns:a16="http://schemas.microsoft.com/office/drawing/2014/main" id="{A9B102D6-0671-044C-BE80-2A72658FC5ED}"/>
               </a:ext>
             </a:extLst>
           </p:cNvPr>
@@ -166,7 +166,7 @@
           <p:cNvPr id="3" name="副标题 2">
             <a:extLst>
               <a:ext uri="{FF2B5EF4-FFF2-40B4-BE49-F238E27FC236}">
-                <a16:creationId xmlns:a16="http://schemas.microsoft.com/office/drawing/2014/main" id="{FCF472EE-74A9-9C98-6753-FCF875A36DD2}"/>
+                <a16:creationId xmlns:a16="http://schemas.microsoft.com/office/drawing/2014/main" id="{F4A2E910-719A-48ED-8D94-875E62C942C2}"/>
               </a:ext>
             </a:extLst>
           </p:cNvPr>
@@ -236,7 +236,7 @@
           <p:cNvPr id="4" name="日期占位符 3">
             <a:extLst>
               <a:ext uri="{FF2B5EF4-FFF2-40B4-BE49-F238E27FC236}">
-                <a16:creationId xmlns:a16="http://schemas.microsoft.com/office/drawing/2014/main" id="{40334385-54AB-26EC-943E-EE3B31EC1FA8}"/>
+                <a16:creationId xmlns:a16="http://schemas.microsoft.com/office/drawing/2014/main" id="{ED4F9381-F2C0-CF38-B754-6ECA2863D5FB}"/>
               </a:ext>
             </a:extLst>
           </p:cNvPr>
@@ -252,7 +252,7 @@
           <a:bodyPr/>
           <a:lstStyle/>
           <a:p>
-            <a:fld id="{9DD9A82A-7D73-4D24-A711-F6604E32EC46}" type="datetimeFigureOut">
+            <a:fld id="{DC521555-95EC-4EE4-8588-CD359E74DFA8}" type="datetimeFigureOut">
               <a:rPr lang="zh-CN" altLang="en-US" smtClean="0"/>
               <a:t>2024/3/10</a:t>
             </a:fld>
@@ -265,7 +265,7 @@
           <p:cNvPr id="5" name="页脚占位符 4">
             <a:extLst>
               <a:ext uri="{FF2B5EF4-FFF2-40B4-BE49-F238E27FC236}">
-                <a16:creationId xmlns:a16="http://schemas.microsoft.com/office/drawing/2014/main" id="{E0182B5D-8D2C-62BA-51DB-230313AE1FEF}"/>
+                <a16:creationId xmlns:a16="http://schemas.microsoft.com/office/drawing/2014/main" id="{009E796D-27F3-D56C-1D6A-B8946E86155E}"/>
               </a:ext>
             </a:extLst>
           </p:cNvPr>
@@ -290,7 +290,7 @@
           <p:cNvPr id="6" name="灯片编号占位符 5">
             <a:extLst>
               <a:ext uri="{FF2B5EF4-FFF2-40B4-BE49-F238E27FC236}">
-                <a16:creationId xmlns:a16="http://schemas.microsoft.com/office/drawing/2014/main" id="{94689C47-6C77-B4F7-29E7-A5691ABC1EC5}"/>
+                <a16:creationId xmlns:a16="http://schemas.microsoft.com/office/drawing/2014/main" id="{B785C7D1-4546-CFFF-28A4-78E1E32CCBB7}"/>
               </a:ext>
             </a:extLst>
           </p:cNvPr>
@@ -306,7 +306,7 @@
           <a:bodyPr/>
           <a:lstStyle/>
           <a:p>
-            <a:fld id="{37A5B6D0-B6DF-4BF6-92E1-FE50665420B1}" type="slidenum">
+            <a:fld id="{6FF5888B-D928-429D-978D-FCCD92FEB041}" type="slidenum">
               <a:rPr lang="zh-CN" altLang="en-US" smtClean="0"/>
               <a:t>‹#›</a:t>
             </a:fld>
@@ -317,7 +317,7 @@
     </p:spTree>
     <p:extLst>
       <p:ext uri="{BB962C8B-B14F-4D97-AF65-F5344CB8AC3E}">
-        <p14:creationId xmlns:p14="http://schemas.microsoft.com/office/powerpoint/2010/main" val="2149667429"/>
+        <p14:creationId xmlns:p14="http://schemas.microsoft.com/office/powerpoint/2010/main" val="491433778"/>
       </p:ext>
     </p:extLst>
   </p:cSld>
@@ -349,7 +349,7 @@
           <p:cNvPr id="2" name="标题 1">
             <a:extLst>
               <a:ext uri="{FF2B5EF4-FFF2-40B4-BE49-F238E27FC236}">
-                <a16:creationId xmlns:a16="http://schemas.microsoft.com/office/drawing/2014/main" id="{EAD97DFC-6F16-0C5C-DA5E-C14DC4F75B81}"/>
+                <a16:creationId xmlns:a16="http://schemas.microsoft.com/office/drawing/2014/main" id="{DA4C5A1F-2F33-BECA-537D-BAC1BD84B860}"/>
               </a:ext>
             </a:extLst>
           </p:cNvPr>
@@ -377,7 +377,7 @@
           <p:cNvPr id="3" name="竖排文字占位符 2">
             <a:extLst>
               <a:ext uri="{FF2B5EF4-FFF2-40B4-BE49-F238E27FC236}">
-                <a16:creationId xmlns:a16="http://schemas.microsoft.com/office/drawing/2014/main" id="{5D352B2B-0670-0A1C-4B84-3C261901CB29}"/>
+                <a16:creationId xmlns:a16="http://schemas.microsoft.com/office/drawing/2014/main" id="{BD55D012-F901-8A6F-7D08-73FF30F70EF0}"/>
               </a:ext>
             </a:extLst>
           </p:cNvPr>
@@ -434,7 +434,7 @@
           <p:cNvPr id="4" name="日期占位符 3">
             <a:extLst>
               <a:ext uri="{FF2B5EF4-FFF2-40B4-BE49-F238E27FC236}">
-                <a16:creationId xmlns:a16="http://schemas.microsoft.com/office/drawing/2014/main" id="{653088EA-D7DB-EAE4-8777-A76A4138EFC7}"/>
+                <a16:creationId xmlns:a16="http://schemas.microsoft.com/office/drawing/2014/main" id="{51277E5B-380A-3E9F-BEC2-D0630A87736A}"/>
               </a:ext>
             </a:extLst>
           </p:cNvPr>
@@ -450,7 +450,7 @@
           <a:bodyPr/>
           <a:lstStyle/>
           <a:p>
-            <a:fld id="{9DD9A82A-7D73-4D24-A711-F6604E32EC46}" type="datetimeFigureOut">
+            <a:fld id="{DC521555-95EC-4EE4-8588-CD359E74DFA8}" type="datetimeFigureOut">
               <a:rPr lang="zh-CN" altLang="en-US" smtClean="0"/>
               <a:t>2024/3/10</a:t>
             </a:fld>
@@ -463,7 +463,7 @@
           <p:cNvPr id="5" name="页脚占位符 4">
             <a:extLst>
               <a:ext uri="{FF2B5EF4-FFF2-40B4-BE49-F238E27FC236}">
-                <a16:creationId xmlns:a16="http://schemas.microsoft.com/office/drawing/2014/main" id="{7A569D78-34C9-D0CD-353E-065161F6D5D0}"/>
+                <a16:creationId xmlns:a16="http://schemas.microsoft.com/office/drawing/2014/main" id="{F7620791-FBAF-4479-018E-9B6A216A06A5}"/>
               </a:ext>
             </a:extLst>
           </p:cNvPr>
@@ -488,7 +488,7 @@
           <p:cNvPr id="6" name="灯片编号占位符 5">
             <a:extLst>
               <a:ext uri="{FF2B5EF4-FFF2-40B4-BE49-F238E27FC236}">
-                <a16:creationId xmlns:a16="http://schemas.microsoft.com/office/drawing/2014/main" id="{C30A7E4D-BD04-F12A-D8CE-B88EB7AD7E94}"/>
+                <a16:creationId xmlns:a16="http://schemas.microsoft.com/office/drawing/2014/main" id="{7AB4368B-9834-4393-F228-0E3117BB0094}"/>
               </a:ext>
             </a:extLst>
           </p:cNvPr>
@@ -504,7 +504,7 @@
           <a:bodyPr/>
           <a:lstStyle/>
           <a:p>
-            <a:fld id="{37A5B6D0-B6DF-4BF6-92E1-FE50665420B1}" type="slidenum">
+            <a:fld id="{6FF5888B-D928-429D-978D-FCCD92FEB041}" type="slidenum">
               <a:rPr lang="zh-CN" altLang="en-US" smtClean="0"/>
               <a:t>‹#›</a:t>
             </a:fld>
@@ -515,7 +515,7 @@
     </p:spTree>
     <p:extLst>
       <p:ext uri="{BB962C8B-B14F-4D97-AF65-F5344CB8AC3E}">
-        <p14:creationId xmlns:p14="http://schemas.microsoft.com/office/powerpoint/2010/main" val="3315894853"/>
+        <p14:creationId xmlns:p14="http://schemas.microsoft.com/office/powerpoint/2010/main" val="972347341"/>
       </p:ext>
     </p:extLst>
   </p:cSld>
@@ -547,7 +547,7 @@
           <p:cNvPr id="2" name="竖排标题 1">
             <a:extLst>
               <a:ext uri="{FF2B5EF4-FFF2-40B4-BE49-F238E27FC236}">
-                <a16:creationId xmlns:a16="http://schemas.microsoft.com/office/drawing/2014/main" id="{703BABDE-334C-3E6B-7D8B-BCEE6CFE3B78}"/>
+                <a16:creationId xmlns:a16="http://schemas.microsoft.com/office/drawing/2014/main" id="{0BDF612D-CB72-802E-EF61-20FBEB80FA7E}"/>
               </a:ext>
             </a:extLst>
           </p:cNvPr>
@@ -580,7 +580,7 @@
           <p:cNvPr id="3" name="竖排文字占位符 2">
             <a:extLst>
               <a:ext uri="{FF2B5EF4-FFF2-40B4-BE49-F238E27FC236}">
-                <a16:creationId xmlns:a16="http://schemas.microsoft.com/office/drawing/2014/main" id="{C154FEE5-A41E-F97B-3AA0-A5DCEE5D9F73}"/>
+                <a16:creationId xmlns:a16="http://schemas.microsoft.com/office/drawing/2014/main" id="{DBD73300-5B4D-927F-9155-C8B5F72DCC9F}"/>
               </a:ext>
             </a:extLst>
           </p:cNvPr>
@@ -642,7 +642,7 @@
           <p:cNvPr id="4" name="日期占位符 3">
             <a:extLst>
               <a:ext uri="{FF2B5EF4-FFF2-40B4-BE49-F238E27FC236}">
-                <a16:creationId xmlns:a16="http://schemas.microsoft.com/office/drawing/2014/main" id="{AB19C516-D317-785D-2D73-BFA421298FB0}"/>
+                <a16:creationId xmlns:a16="http://schemas.microsoft.com/office/drawing/2014/main" id="{4CED5632-3604-2B0A-4891-513E958474B4}"/>
               </a:ext>
             </a:extLst>
           </p:cNvPr>
@@ -658,7 +658,7 @@
           <a:bodyPr/>
           <a:lstStyle/>
           <a:p>
-            <a:fld id="{9DD9A82A-7D73-4D24-A711-F6604E32EC46}" type="datetimeFigureOut">
+            <a:fld id="{DC521555-95EC-4EE4-8588-CD359E74DFA8}" type="datetimeFigureOut">
               <a:rPr lang="zh-CN" altLang="en-US" smtClean="0"/>
               <a:t>2024/3/10</a:t>
             </a:fld>
@@ -671,7 +671,7 @@
           <p:cNvPr id="5" name="页脚占位符 4">
             <a:extLst>
               <a:ext uri="{FF2B5EF4-FFF2-40B4-BE49-F238E27FC236}">
-                <a16:creationId xmlns:a16="http://schemas.microsoft.com/office/drawing/2014/main" id="{F423B57B-219A-6A34-6886-1E82DE9D51C4}"/>
+                <a16:creationId xmlns:a16="http://schemas.microsoft.com/office/drawing/2014/main" id="{88A166FD-2536-2FFA-F747-E06A0BBABCFC}"/>
               </a:ext>
             </a:extLst>
           </p:cNvPr>
@@ -696,7 +696,7 @@
           <p:cNvPr id="6" name="灯片编号占位符 5">
             <a:extLst>
               <a:ext uri="{FF2B5EF4-FFF2-40B4-BE49-F238E27FC236}">
-                <a16:creationId xmlns:a16="http://schemas.microsoft.com/office/drawing/2014/main" id="{ED8E630B-1420-1D0B-8FD8-36ABF8C5679F}"/>
+                <a16:creationId xmlns:a16="http://schemas.microsoft.com/office/drawing/2014/main" id="{70238A83-CF50-A391-F072-58AC38E9BB42}"/>
               </a:ext>
             </a:extLst>
           </p:cNvPr>
@@ -712,7 +712,7 @@
           <a:bodyPr/>
           <a:lstStyle/>
           <a:p>
-            <a:fld id="{37A5B6D0-B6DF-4BF6-92E1-FE50665420B1}" type="slidenum">
+            <a:fld id="{6FF5888B-D928-429D-978D-FCCD92FEB041}" type="slidenum">
               <a:rPr lang="zh-CN" altLang="en-US" smtClean="0"/>
               <a:t>‹#›</a:t>
             </a:fld>
@@ -723,7 +723,7 @@
     </p:spTree>
     <p:extLst>
       <p:ext uri="{BB962C8B-B14F-4D97-AF65-F5344CB8AC3E}">
-        <p14:creationId xmlns:p14="http://schemas.microsoft.com/office/powerpoint/2010/main" val="1408050249"/>
+        <p14:creationId xmlns:p14="http://schemas.microsoft.com/office/powerpoint/2010/main" val="406299845"/>
       </p:ext>
     </p:extLst>
   </p:cSld>
@@ -755,7 +755,7 @@
           <p:cNvPr id="2" name="标题 1">
             <a:extLst>
               <a:ext uri="{FF2B5EF4-FFF2-40B4-BE49-F238E27FC236}">
-                <a16:creationId xmlns:a16="http://schemas.microsoft.com/office/drawing/2014/main" id="{5202904B-FA9E-2BA1-21D1-D03CC7BF8664}"/>
+                <a16:creationId xmlns:a16="http://schemas.microsoft.com/office/drawing/2014/main" id="{1EBE501A-0678-16C3-BABB-65088738646D}"/>
               </a:ext>
             </a:extLst>
           </p:cNvPr>
@@ -783,7 +783,7 @@
           <p:cNvPr id="3" name="内容占位符 2">
             <a:extLst>
               <a:ext uri="{FF2B5EF4-FFF2-40B4-BE49-F238E27FC236}">
-                <a16:creationId xmlns:a16="http://schemas.microsoft.com/office/drawing/2014/main" id="{168BD40B-3A50-70FA-05E5-FE0E9BD1B146}"/>
+                <a16:creationId xmlns:a16="http://schemas.microsoft.com/office/drawing/2014/main" id="{AE025301-BAC0-9A79-0914-C2C18D2E4FB8}"/>
               </a:ext>
             </a:extLst>
           </p:cNvPr>
@@ -840,7 +840,7 @@
           <p:cNvPr id="4" name="日期占位符 3">
             <a:extLst>
               <a:ext uri="{FF2B5EF4-FFF2-40B4-BE49-F238E27FC236}">
-                <a16:creationId xmlns:a16="http://schemas.microsoft.com/office/drawing/2014/main" id="{54282C17-E719-E65C-E8E8-5254B82F1251}"/>
+                <a16:creationId xmlns:a16="http://schemas.microsoft.com/office/drawing/2014/main" id="{A7AFA9BD-8BD8-B8EF-DDC4-00447FC7B890}"/>
               </a:ext>
             </a:extLst>
           </p:cNvPr>
@@ -856,7 +856,7 @@
           <a:bodyPr/>
           <a:lstStyle/>
           <a:p>
-            <a:fld id="{9DD9A82A-7D73-4D24-A711-F6604E32EC46}" type="datetimeFigureOut">
+            <a:fld id="{DC521555-95EC-4EE4-8588-CD359E74DFA8}" type="datetimeFigureOut">
               <a:rPr lang="zh-CN" altLang="en-US" smtClean="0"/>
               <a:t>2024/3/10</a:t>
             </a:fld>
@@ -869,7 +869,7 @@
           <p:cNvPr id="5" name="页脚占位符 4">
             <a:extLst>
               <a:ext uri="{FF2B5EF4-FFF2-40B4-BE49-F238E27FC236}">
-                <a16:creationId xmlns:a16="http://schemas.microsoft.com/office/drawing/2014/main" id="{7BEFBC4E-671B-C775-2593-095E302977D4}"/>
+                <a16:creationId xmlns:a16="http://schemas.microsoft.com/office/drawing/2014/main" id="{C04CB3EA-8AB5-62D5-4424-EA5574DCD404}"/>
               </a:ext>
             </a:extLst>
           </p:cNvPr>
@@ -894,7 +894,7 @@
           <p:cNvPr id="6" name="灯片编号占位符 5">
             <a:extLst>
               <a:ext uri="{FF2B5EF4-FFF2-40B4-BE49-F238E27FC236}">
-                <a16:creationId xmlns:a16="http://schemas.microsoft.com/office/drawing/2014/main" id="{4E256EB9-AC26-369B-7235-89196066C784}"/>
+                <a16:creationId xmlns:a16="http://schemas.microsoft.com/office/drawing/2014/main" id="{5CA9F05E-5C2D-4A8E-7A0D-2A76E11B24AC}"/>
               </a:ext>
             </a:extLst>
           </p:cNvPr>
@@ -910,7 +910,7 @@
           <a:bodyPr/>
           <a:lstStyle/>
           <a:p>
-            <a:fld id="{37A5B6D0-B6DF-4BF6-92E1-FE50665420B1}" type="slidenum">
+            <a:fld id="{6FF5888B-D928-429D-978D-FCCD92FEB041}" type="slidenum">
               <a:rPr lang="zh-CN" altLang="en-US" smtClean="0"/>
               <a:t>‹#›</a:t>
             </a:fld>
@@ -921,7 +921,7 @@
     </p:spTree>
     <p:extLst>
       <p:ext uri="{BB962C8B-B14F-4D97-AF65-F5344CB8AC3E}">
-        <p14:creationId xmlns:p14="http://schemas.microsoft.com/office/powerpoint/2010/main" val="300357779"/>
+        <p14:creationId xmlns:p14="http://schemas.microsoft.com/office/powerpoint/2010/main" val="2374673230"/>
       </p:ext>
     </p:extLst>
   </p:cSld>
@@ -953,7 +953,7 @@
           <p:cNvPr id="2" name="标题 1">
             <a:extLst>
               <a:ext uri="{FF2B5EF4-FFF2-40B4-BE49-F238E27FC236}">
-                <a16:creationId xmlns:a16="http://schemas.microsoft.com/office/drawing/2014/main" id="{D425DF50-BEC1-BF31-6D3C-352F78D59BF9}"/>
+                <a16:creationId xmlns:a16="http://schemas.microsoft.com/office/drawing/2014/main" id="{59BA1277-3896-AADB-3C02-3ED6ABA138DF}"/>
               </a:ext>
             </a:extLst>
           </p:cNvPr>
@@ -990,7 +990,7 @@
           <p:cNvPr id="3" name="文本占位符 2">
             <a:extLst>
               <a:ext uri="{FF2B5EF4-FFF2-40B4-BE49-F238E27FC236}">
-                <a16:creationId xmlns:a16="http://schemas.microsoft.com/office/drawing/2014/main" id="{A770CB3C-8E1E-FC1C-C246-E05307C27F08}"/>
+                <a16:creationId xmlns:a16="http://schemas.microsoft.com/office/drawing/2014/main" id="{8864D798-A34C-1523-4966-3FE1502A8F50}"/>
               </a:ext>
             </a:extLst>
           </p:cNvPr>
@@ -1115,7 +1115,7 @@
           <p:cNvPr id="4" name="日期占位符 3">
             <a:extLst>
               <a:ext uri="{FF2B5EF4-FFF2-40B4-BE49-F238E27FC236}">
-                <a16:creationId xmlns:a16="http://schemas.microsoft.com/office/drawing/2014/main" id="{3104BA1D-F1C5-91DC-6878-EB33A9B502E9}"/>
+                <a16:creationId xmlns:a16="http://schemas.microsoft.com/office/drawing/2014/main" id="{9CCA5CA6-9046-C58B-8161-F4658E1EDC67}"/>
               </a:ext>
             </a:extLst>
           </p:cNvPr>
@@ -1131,7 +1131,7 @@
           <a:bodyPr/>
           <a:lstStyle/>
           <a:p>
-            <a:fld id="{9DD9A82A-7D73-4D24-A711-F6604E32EC46}" type="datetimeFigureOut">
+            <a:fld id="{DC521555-95EC-4EE4-8588-CD359E74DFA8}" type="datetimeFigureOut">
               <a:rPr lang="zh-CN" altLang="en-US" smtClean="0"/>
               <a:t>2024/3/10</a:t>
             </a:fld>
@@ -1144,7 +1144,7 @@
           <p:cNvPr id="5" name="页脚占位符 4">
             <a:extLst>
               <a:ext uri="{FF2B5EF4-FFF2-40B4-BE49-F238E27FC236}">
-                <a16:creationId xmlns:a16="http://schemas.microsoft.com/office/drawing/2014/main" id="{DE898A19-E52F-8110-4958-37018E04595C}"/>
+                <a16:creationId xmlns:a16="http://schemas.microsoft.com/office/drawing/2014/main" id="{60E5E450-59B4-9D73-F6E6-902018C1957E}"/>
               </a:ext>
             </a:extLst>
           </p:cNvPr>
@@ -1169,7 +1169,7 @@
           <p:cNvPr id="6" name="灯片编号占位符 5">
             <a:extLst>
               <a:ext uri="{FF2B5EF4-FFF2-40B4-BE49-F238E27FC236}">
-                <a16:creationId xmlns:a16="http://schemas.microsoft.com/office/drawing/2014/main" id="{C975A489-2953-5C24-12D9-2D514A3ADF6C}"/>
+                <a16:creationId xmlns:a16="http://schemas.microsoft.com/office/drawing/2014/main" id="{474269C5-4173-4CD6-2C47-AC2401DF4794}"/>
               </a:ext>
             </a:extLst>
           </p:cNvPr>
@@ -1185,7 +1185,7 @@
           <a:bodyPr/>
           <a:lstStyle/>
           <a:p>
-            <a:fld id="{37A5B6D0-B6DF-4BF6-92E1-FE50665420B1}" type="slidenum">
+            <a:fld id="{6FF5888B-D928-429D-978D-FCCD92FEB041}" type="slidenum">
               <a:rPr lang="zh-CN" altLang="en-US" smtClean="0"/>
               <a:t>‹#›</a:t>
             </a:fld>
@@ -1196,7 +1196,7 @@
     </p:spTree>
     <p:extLst>
       <p:ext uri="{BB962C8B-B14F-4D97-AF65-F5344CB8AC3E}">
-        <p14:creationId xmlns:p14="http://schemas.microsoft.com/office/powerpoint/2010/main" val="2765095779"/>
+        <p14:creationId xmlns:p14="http://schemas.microsoft.com/office/powerpoint/2010/main" val="2204888846"/>
       </p:ext>
     </p:extLst>
   </p:cSld>
@@ -1228,7 +1228,7 @@
           <p:cNvPr id="2" name="标题 1">
             <a:extLst>
               <a:ext uri="{FF2B5EF4-FFF2-40B4-BE49-F238E27FC236}">
-                <a16:creationId xmlns:a16="http://schemas.microsoft.com/office/drawing/2014/main" id="{570E7987-7A05-5B40-9BA0-6D2B401CB272}"/>
+                <a16:creationId xmlns:a16="http://schemas.microsoft.com/office/drawing/2014/main" id="{6DA13630-B264-6047-8628-84D0EBF88672}"/>
               </a:ext>
             </a:extLst>
           </p:cNvPr>
@@ -1256,7 +1256,7 @@
           <p:cNvPr id="3" name="内容占位符 2">
             <a:extLst>
               <a:ext uri="{FF2B5EF4-FFF2-40B4-BE49-F238E27FC236}">
-                <a16:creationId xmlns:a16="http://schemas.microsoft.com/office/drawing/2014/main" id="{7F2AF74D-78F3-1168-45D1-E74B75371184}"/>
+                <a16:creationId xmlns:a16="http://schemas.microsoft.com/office/drawing/2014/main" id="{EBDAF82D-5698-48E5-68BC-FF8470430946}"/>
               </a:ext>
             </a:extLst>
           </p:cNvPr>
@@ -1318,7 +1318,7 @@
           <p:cNvPr id="4" name="内容占位符 3">
             <a:extLst>
               <a:ext uri="{FF2B5EF4-FFF2-40B4-BE49-F238E27FC236}">
-                <a16:creationId xmlns:a16="http://schemas.microsoft.com/office/drawing/2014/main" id="{58E30DBF-DD18-973D-5845-04262000B91F}"/>
+                <a16:creationId xmlns:a16="http://schemas.microsoft.com/office/drawing/2014/main" id="{1FD73449-1969-ECFE-D4F8-B3F930828251}"/>
               </a:ext>
             </a:extLst>
           </p:cNvPr>
@@ -1380,7 +1380,7 @@
           <p:cNvPr id="5" name="日期占位符 4">
             <a:extLst>
               <a:ext uri="{FF2B5EF4-FFF2-40B4-BE49-F238E27FC236}">
-                <a16:creationId xmlns:a16="http://schemas.microsoft.com/office/drawing/2014/main" id="{1672A3A0-F621-24C2-49B2-088DC2A803C4}"/>
+                <a16:creationId xmlns:a16="http://schemas.microsoft.com/office/drawing/2014/main" id="{E923A408-3D8E-22E4-DA93-A637D08AE6F9}"/>
               </a:ext>
             </a:extLst>
           </p:cNvPr>
@@ -1396,7 +1396,7 @@
           <a:bodyPr/>
           <a:lstStyle/>
           <a:p>
-            <a:fld id="{9DD9A82A-7D73-4D24-A711-F6604E32EC46}" type="datetimeFigureOut">
+            <a:fld id="{DC521555-95EC-4EE4-8588-CD359E74DFA8}" type="datetimeFigureOut">
               <a:rPr lang="zh-CN" altLang="en-US" smtClean="0"/>
               <a:t>2024/3/10</a:t>
             </a:fld>
@@ -1409,7 +1409,7 @@
           <p:cNvPr id="6" name="页脚占位符 5">
             <a:extLst>
               <a:ext uri="{FF2B5EF4-FFF2-40B4-BE49-F238E27FC236}">
-                <a16:creationId xmlns:a16="http://schemas.microsoft.com/office/drawing/2014/main" id="{21BB7713-2AD7-E367-E2DB-B5049F3F8DD7}"/>
+                <a16:creationId xmlns:a16="http://schemas.microsoft.com/office/drawing/2014/main" id="{E3C600F2-6625-81BE-70E5-E68D86B5F82C}"/>
               </a:ext>
             </a:extLst>
           </p:cNvPr>
@@ -1434,7 +1434,7 @@
           <p:cNvPr id="7" name="灯片编号占位符 6">
             <a:extLst>
               <a:ext uri="{FF2B5EF4-FFF2-40B4-BE49-F238E27FC236}">
-                <a16:creationId xmlns:a16="http://schemas.microsoft.com/office/drawing/2014/main" id="{5734E615-A80F-88F0-F2A6-97A6D841DD1A}"/>
+                <a16:creationId xmlns:a16="http://schemas.microsoft.com/office/drawing/2014/main" id="{A6D21FE3-C139-E505-0F71-D359C2618124}"/>
               </a:ext>
             </a:extLst>
           </p:cNvPr>
@@ -1450,7 +1450,7 @@
           <a:bodyPr/>
           <a:lstStyle/>
           <a:p>
-            <a:fld id="{37A5B6D0-B6DF-4BF6-92E1-FE50665420B1}" type="slidenum">
+            <a:fld id="{6FF5888B-D928-429D-978D-FCCD92FEB041}" type="slidenum">
               <a:rPr lang="zh-CN" altLang="en-US" smtClean="0"/>
               <a:t>‹#›</a:t>
             </a:fld>
@@ -1461,7 +1461,7 @@
     </p:spTree>
     <p:extLst>
       <p:ext uri="{BB962C8B-B14F-4D97-AF65-F5344CB8AC3E}">
-        <p14:creationId xmlns:p14="http://schemas.microsoft.com/office/powerpoint/2010/main" val="2008692647"/>
+        <p14:creationId xmlns:p14="http://schemas.microsoft.com/office/powerpoint/2010/main" val="3426757963"/>
       </p:ext>
     </p:extLst>
   </p:cSld>
@@ -1493,7 +1493,7 @@
           <p:cNvPr id="2" name="标题 1">
             <a:extLst>
               <a:ext uri="{FF2B5EF4-FFF2-40B4-BE49-F238E27FC236}">
-                <a16:creationId xmlns:a16="http://schemas.microsoft.com/office/drawing/2014/main" id="{82F8348A-6AAD-FA9C-B4C6-14A5512D7F5A}"/>
+                <a16:creationId xmlns:a16="http://schemas.microsoft.com/office/drawing/2014/main" id="{04E6F754-9731-1208-93B8-C80C80886519}"/>
               </a:ext>
             </a:extLst>
           </p:cNvPr>
@@ -1526,7 +1526,7 @@
           <p:cNvPr id="3" name="文本占位符 2">
             <a:extLst>
               <a:ext uri="{FF2B5EF4-FFF2-40B4-BE49-F238E27FC236}">
-                <a16:creationId xmlns:a16="http://schemas.microsoft.com/office/drawing/2014/main" id="{DDAEF3F2-BF05-C4C5-AE73-9275DE531AE8}"/>
+                <a16:creationId xmlns:a16="http://schemas.microsoft.com/office/drawing/2014/main" id="{31440A55-0C7B-177B-0C1F-9EE7E87EAAAF}"/>
               </a:ext>
             </a:extLst>
           </p:cNvPr>
@@ -1597,7 +1597,7 @@
           <p:cNvPr id="4" name="内容占位符 3">
             <a:extLst>
               <a:ext uri="{FF2B5EF4-FFF2-40B4-BE49-F238E27FC236}">
-                <a16:creationId xmlns:a16="http://schemas.microsoft.com/office/drawing/2014/main" id="{D1DA9A92-97F6-DC8F-8126-2EE3951D7807}"/>
+                <a16:creationId xmlns:a16="http://schemas.microsoft.com/office/drawing/2014/main" id="{BADF7E22-7B15-F7A3-C6C4-CAE4FB086F7C}"/>
               </a:ext>
             </a:extLst>
           </p:cNvPr>
@@ -1659,7 +1659,7 @@
           <p:cNvPr id="5" name="文本占位符 4">
             <a:extLst>
               <a:ext uri="{FF2B5EF4-FFF2-40B4-BE49-F238E27FC236}">
-                <a16:creationId xmlns:a16="http://schemas.microsoft.com/office/drawing/2014/main" id="{14BB72D4-F339-DBAD-8AD8-AFC12E014CFC}"/>
+                <a16:creationId xmlns:a16="http://schemas.microsoft.com/office/drawing/2014/main" id="{27EC06FE-F1FD-36A9-8886-E44CF65CEDDA}"/>
               </a:ext>
             </a:extLst>
           </p:cNvPr>
@@ -1730,7 +1730,7 @@
           <p:cNvPr id="6" name="内容占位符 5">
             <a:extLst>
               <a:ext uri="{FF2B5EF4-FFF2-40B4-BE49-F238E27FC236}">
-                <a16:creationId xmlns:a16="http://schemas.microsoft.com/office/drawing/2014/main" id="{7323E1F9-1E40-F1BB-0466-C217CCEE2BA8}"/>
+                <a16:creationId xmlns:a16="http://schemas.microsoft.com/office/drawing/2014/main" id="{5EBB6002-943A-8AF9-37CD-5962D819491F}"/>
               </a:ext>
             </a:extLst>
           </p:cNvPr>
@@ -1792,7 +1792,7 @@
           <p:cNvPr id="7" name="日期占位符 6">
             <a:extLst>
               <a:ext uri="{FF2B5EF4-FFF2-40B4-BE49-F238E27FC236}">
-                <a16:creationId xmlns:a16="http://schemas.microsoft.com/office/drawing/2014/main" id="{95C350A4-181D-4C68-0760-C521FAF5D6B2}"/>
+                <a16:creationId xmlns:a16="http://schemas.microsoft.com/office/drawing/2014/main" id="{EBBA3E10-FAAA-135B-1E89-CDC43AB36C3A}"/>
               </a:ext>
             </a:extLst>
           </p:cNvPr>
@@ -1808,7 +1808,7 @@
           <a:bodyPr/>
           <a:lstStyle/>
           <a:p>
-            <a:fld id="{9DD9A82A-7D73-4D24-A711-F6604E32EC46}" type="datetimeFigureOut">
+            <a:fld id="{DC521555-95EC-4EE4-8588-CD359E74DFA8}" type="datetimeFigureOut">
               <a:rPr lang="zh-CN" altLang="en-US" smtClean="0"/>
               <a:t>2024/3/10</a:t>
             </a:fld>
@@ -1821,7 +1821,7 @@
           <p:cNvPr id="8" name="页脚占位符 7">
             <a:extLst>
               <a:ext uri="{FF2B5EF4-FFF2-40B4-BE49-F238E27FC236}">
-                <a16:creationId xmlns:a16="http://schemas.microsoft.com/office/drawing/2014/main" id="{4D420220-2CA5-EA39-F3A6-26E2DB45725C}"/>
+                <a16:creationId xmlns:a16="http://schemas.microsoft.com/office/drawing/2014/main" id="{A080743B-F131-FFAA-8A52-A8CF926CF437}"/>
               </a:ext>
             </a:extLst>
           </p:cNvPr>
@@ -1846,7 +1846,7 @@
           <p:cNvPr id="9" name="灯片编号占位符 8">
             <a:extLst>
               <a:ext uri="{FF2B5EF4-FFF2-40B4-BE49-F238E27FC236}">
-                <a16:creationId xmlns:a16="http://schemas.microsoft.com/office/drawing/2014/main" id="{CB58E262-44A0-94EE-B85E-1E5A66717DB5}"/>
+                <a16:creationId xmlns:a16="http://schemas.microsoft.com/office/drawing/2014/main" id="{1402FC1A-BD50-F761-B6C9-E01B11CEC38C}"/>
               </a:ext>
             </a:extLst>
           </p:cNvPr>
@@ -1862,7 +1862,7 @@
           <a:bodyPr/>
           <a:lstStyle/>
           <a:p>
-            <a:fld id="{37A5B6D0-B6DF-4BF6-92E1-FE50665420B1}" type="slidenum">
+            <a:fld id="{6FF5888B-D928-429D-978D-FCCD92FEB041}" type="slidenum">
               <a:rPr lang="zh-CN" altLang="en-US" smtClean="0"/>
               <a:t>‹#›</a:t>
             </a:fld>
@@ -1873,7 +1873,7 @@
     </p:spTree>
     <p:extLst>
       <p:ext uri="{BB962C8B-B14F-4D97-AF65-F5344CB8AC3E}">
-        <p14:creationId xmlns:p14="http://schemas.microsoft.com/office/powerpoint/2010/main" val="1746501329"/>
+        <p14:creationId xmlns:p14="http://schemas.microsoft.com/office/powerpoint/2010/main" val="447666252"/>
       </p:ext>
     </p:extLst>
   </p:cSld>
@@ -1905,7 +1905,7 @@
           <p:cNvPr id="2" name="标题 1">
             <a:extLst>
               <a:ext uri="{FF2B5EF4-FFF2-40B4-BE49-F238E27FC236}">
-                <a16:creationId xmlns:a16="http://schemas.microsoft.com/office/drawing/2014/main" id="{2CF504D9-804F-DEBD-B6A3-9DE7A33CEC2C}"/>
+                <a16:creationId xmlns:a16="http://schemas.microsoft.com/office/drawing/2014/main" id="{E4DD41DA-5D9E-DFA7-AAF6-D5E4DB56181B}"/>
               </a:ext>
             </a:extLst>
           </p:cNvPr>
@@ -1933,7 +1933,7 @@
           <p:cNvPr id="3" name="日期占位符 2">
             <a:extLst>
               <a:ext uri="{FF2B5EF4-FFF2-40B4-BE49-F238E27FC236}">
-                <a16:creationId xmlns:a16="http://schemas.microsoft.com/office/drawing/2014/main" id="{1029C994-D290-E8D4-B4F6-5FE518C36798}"/>
+                <a16:creationId xmlns:a16="http://schemas.microsoft.com/office/drawing/2014/main" id="{7AD18D00-9AE4-E350-06F4-F97FCBCE1F3F}"/>
               </a:ext>
             </a:extLst>
           </p:cNvPr>
@@ -1949,7 +1949,7 @@
           <a:bodyPr/>
           <a:lstStyle/>
           <a:p>
-            <a:fld id="{9DD9A82A-7D73-4D24-A711-F6604E32EC46}" type="datetimeFigureOut">
+            <a:fld id="{DC521555-95EC-4EE4-8588-CD359E74DFA8}" type="datetimeFigureOut">
               <a:rPr lang="zh-CN" altLang="en-US" smtClean="0"/>
               <a:t>2024/3/10</a:t>
             </a:fld>
@@ -1962,7 +1962,7 @@
           <p:cNvPr id="4" name="页脚占位符 3">
             <a:extLst>
               <a:ext uri="{FF2B5EF4-FFF2-40B4-BE49-F238E27FC236}">
-                <a16:creationId xmlns:a16="http://schemas.microsoft.com/office/drawing/2014/main" id="{FE961367-9773-C754-FEDE-7318D5CC2FAF}"/>
+                <a16:creationId xmlns:a16="http://schemas.microsoft.com/office/drawing/2014/main" id="{05BFD0DF-2D30-E4F6-7533-FF7FEA9136F8}"/>
               </a:ext>
             </a:extLst>
           </p:cNvPr>
@@ -1987,7 +1987,7 @@
           <p:cNvPr id="5" name="灯片编号占位符 4">
             <a:extLst>
               <a:ext uri="{FF2B5EF4-FFF2-40B4-BE49-F238E27FC236}">
-                <a16:creationId xmlns:a16="http://schemas.microsoft.com/office/drawing/2014/main" id="{4BEB7446-B15C-2D61-8FCF-723C8488E102}"/>
+                <a16:creationId xmlns:a16="http://schemas.microsoft.com/office/drawing/2014/main" id="{2606EB8E-A705-925D-D2F9-628586F117E5}"/>
               </a:ext>
             </a:extLst>
           </p:cNvPr>
@@ -2003,7 +2003,7 @@
           <a:bodyPr/>
           <a:lstStyle/>
           <a:p>
-            <a:fld id="{37A5B6D0-B6DF-4BF6-92E1-FE50665420B1}" type="slidenum">
+            <a:fld id="{6FF5888B-D928-429D-978D-FCCD92FEB041}" type="slidenum">
               <a:rPr lang="zh-CN" altLang="en-US" smtClean="0"/>
               <a:t>‹#›</a:t>
             </a:fld>
@@ -2014,7 +2014,7 @@
     </p:spTree>
     <p:extLst>
       <p:ext uri="{BB962C8B-B14F-4D97-AF65-F5344CB8AC3E}">
-        <p14:creationId xmlns:p14="http://schemas.microsoft.com/office/powerpoint/2010/main" val="1799379225"/>
+        <p14:creationId xmlns:p14="http://schemas.microsoft.com/office/powerpoint/2010/main" val="550913582"/>
       </p:ext>
     </p:extLst>
   </p:cSld>
@@ -2046,7 +2046,7 @@
           <p:cNvPr id="2" name="日期占位符 1">
             <a:extLst>
               <a:ext uri="{FF2B5EF4-FFF2-40B4-BE49-F238E27FC236}">
-                <a16:creationId xmlns:a16="http://schemas.microsoft.com/office/drawing/2014/main" id="{03F5BB88-9E1F-A16D-44F2-5169657D3AA3}"/>
+                <a16:creationId xmlns:a16="http://schemas.microsoft.com/office/drawing/2014/main" id="{455FD5A5-1B1D-341F-E4B7-005F4CCC4D78}"/>
               </a:ext>
             </a:extLst>
           </p:cNvPr>
@@ -2062,7 +2062,7 @@
           <a:bodyPr/>
           <a:lstStyle/>
           <a:p>
-            <a:fld id="{9DD9A82A-7D73-4D24-A711-F6604E32EC46}" type="datetimeFigureOut">
+            <a:fld id="{DC521555-95EC-4EE4-8588-CD359E74DFA8}" type="datetimeFigureOut">
               <a:rPr lang="zh-CN" altLang="en-US" smtClean="0"/>
               <a:t>2024/3/10</a:t>
             </a:fld>
@@ -2075,7 +2075,7 @@
           <p:cNvPr id="3" name="页脚占位符 2">
             <a:extLst>
               <a:ext uri="{FF2B5EF4-FFF2-40B4-BE49-F238E27FC236}">
-                <a16:creationId xmlns:a16="http://schemas.microsoft.com/office/drawing/2014/main" id="{E1B922DE-743B-1FBE-98E7-F234CEB3FDED}"/>
+                <a16:creationId xmlns:a16="http://schemas.microsoft.com/office/drawing/2014/main" id="{F841719C-BD23-F0F7-ACB0-7FFB3F32D3FC}"/>
               </a:ext>
             </a:extLst>
           </p:cNvPr>
@@ -2100,7 +2100,7 @@
           <p:cNvPr id="4" name="灯片编号占位符 3">
             <a:extLst>
               <a:ext uri="{FF2B5EF4-FFF2-40B4-BE49-F238E27FC236}">
-                <a16:creationId xmlns:a16="http://schemas.microsoft.com/office/drawing/2014/main" id="{AC7FD94B-CBEB-39ED-7360-622D53237B34}"/>
+                <a16:creationId xmlns:a16="http://schemas.microsoft.com/office/drawing/2014/main" id="{5154D137-299D-B31F-A37B-F2BD3B39EA16}"/>
               </a:ext>
             </a:extLst>
           </p:cNvPr>
@@ -2116,7 +2116,7 @@
           <a:bodyPr/>
           <a:lstStyle/>
           <a:p>
-            <a:fld id="{37A5B6D0-B6DF-4BF6-92E1-FE50665420B1}" type="slidenum">
+            <a:fld id="{6FF5888B-D928-429D-978D-FCCD92FEB041}" type="slidenum">
               <a:rPr lang="zh-CN" altLang="en-US" smtClean="0"/>
               <a:t>‹#›</a:t>
             </a:fld>
@@ -2127,7 +2127,7 @@
     </p:spTree>
     <p:extLst>
       <p:ext uri="{BB962C8B-B14F-4D97-AF65-F5344CB8AC3E}">
-        <p14:creationId xmlns:p14="http://schemas.microsoft.com/office/powerpoint/2010/main" val="3308733523"/>
+        <p14:creationId xmlns:p14="http://schemas.microsoft.com/office/powerpoint/2010/main" val="1558910385"/>
       </p:ext>
     </p:extLst>
   </p:cSld>
@@ -2159,7 +2159,7 @@
           <p:cNvPr id="2" name="标题 1">
             <a:extLst>
               <a:ext uri="{FF2B5EF4-FFF2-40B4-BE49-F238E27FC236}">
-                <a16:creationId xmlns:a16="http://schemas.microsoft.com/office/drawing/2014/main" id="{466A515E-6D59-4005-D54B-79A9BF07FAA2}"/>
+                <a16:creationId xmlns:a16="http://schemas.microsoft.com/office/drawing/2014/main" id="{DA1EEE1B-9CC4-1C82-190D-C82666839F3F}"/>
               </a:ext>
             </a:extLst>
           </p:cNvPr>
@@ -2196,7 +2196,7 @@
           <p:cNvPr id="3" name="内容占位符 2">
             <a:extLst>
               <a:ext uri="{FF2B5EF4-FFF2-40B4-BE49-F238E27FC236}">
-                <a16:creationId xmlns:a16="http://schemas.microsoft.com/office/drawing/2014/main" id="{77678550-D3FB-62C2-1BB3-1449B2F80881}"/>
+                <a16:creationId xmlns:a16="http://schemas.microsoft.com/office/drawing/2014/main" id="{7B56BA1E-9784-0C29-3887-9286B77E7925}"/>
               </a:ext>
             </a:extLst>
           </p:cNvPr>
@@ -2286,7 +2286,7 @@
           <p:cNvPr id="4" name="文本占位符 3">
             <a:extLst>
               <a:ext uri="{FF2B5EF4-FFF2-40B4-BE49-F238E27FC236}">
-                <a16:creationId xmlns:a16="http://schemas.microsoft.com/office/drawing/2014/main" id="{0B100DA5-B5AB-7C53-8C29-630AA2907832}"/>
+                <a16:creationId xmlns:a16="http://schemas.microsoft.com/office/drawing/2014/main" id="{4C8FBF8A-6762-6064-3EF7-D5166F6C1DE0}"/>
               </a:ext>
             </a:extLst>
           </p:cNvPr>
@@ -2357,7 +2357,7 @@
           <p:cNvPr id="5" name="日期占位符 4">
             <a:extLst>
               <a:ext uri="{FF2B5EF4-FFF2-40B4-BE49-F238E27FC236}">
-                <a16:creationId xmlns:a16="http://schemas.microsoft.com/office/drawing/2014/main" id="{2305AA77-3E96-63E1-D6FA-469E4DDDADA2}"/>
+                <a16:creationId xmlns:a16="http://schemas.microsoft.com/office/drawing/2014/main" id="{BB524FEB-300E-6F4D-A99D-B9A42EA33681}"/>
               </a:ext>
             </a:extLst>
           </p:cNvPr>
@@ -2373,7 +2373,7 @@
           <a:bodyPr/>
           <a:lstStyle/>
           <a:p>
-            <a:fld id="{9DD9A82A-7D73-4D24-A711-F6604E32EC46}" type="datetimeFigureOut">
+            <a:fld id="{DC521555-95EC-4EE4-8588-CD359E74DFA8}" type="datetimeFigureOut">
               <a:rPr lang="zh-CN" altLang="en-US" smtClean="0"/>
               <a:t>2024/3/10</a:t>
             </a:fld>
@@ -2386,7 +2386,7 @@
           <p:cNvPr id="6" name="页脚占位符 5">
             <a:extLst>
               <a:ext uri="{FF2B5EF4-FFF2-40B4-BE49-F238E27FC236}">
-                <a16:creationId xmlns:a16="http://schemas.microsoft.com/office/drawing/2014/main" id="{7330D375-1945-1E8B-2B74-D842F0BC16F8}"/>
+                <a16:creationId xmlns:a16="http://schemas.microsoft.com/office/drawing/2014/main" id="{803E2D93-1ED0-AD77-BE6A-F30B776E715B}"/>
               </a:ext>
             </a:extLst>
           </p:cNvPr>
@@ -2411,7 +2411,7 @@
           <p:cNvPr id="7" name="灯片编号占位符 6">
             <a:extLst>
               <a:ext uri="{FF2B5EF4-FFF2-40B4-BE49-F238E27FC236}">
-                <a16:creationId xmlns:a16="http://schemas.microsoft.com/office/drawing/2014/main" id="{6BDCEF3A-6574-06F2-8B8F-A4CDCA5E67E0}"/>
+                <a16:creationId xmlns:a16="http://schemas.microsoft.com/office/drawing/2014/main" id="{D2041B29-2C6E-CD16-10D2-557129EA18CE}"/>
               </a:ext>
             </a:extLst>
           </p:cNvPr>
@@ -2427,7 +2427,7 @@
           <a:bodyPr/>
           <a:lstStyle/>
           <a:p>
-            <a:fld id="{37A5B6D0-B6DF-4BF6-92E1-FE50665420B1}" type="slidenum">
+            <a:fld id="{6FF5888B-D928-429D-978D-FCCD92FEB041}" type="slidenum">
               <a:rPr lang="zh-CN" altLang="en-US" smtClean="0"/>
               <a:t>‹#›</a:t>
             </a:fld>
@@ -2438,7 +2438,7 @@
     </p:spTree>
     <p:extLst>
       <p:ext uri="{BB962C8B-B14F-4D97-AF65-F5344CB8AC3E}">
-        <p14:creationId xmlns:p14="http://schemas.microsoft.com/office/powerpoint/2010/main" val="3815429286"/>
+        <p14:creationId xmlns:p14="http://schemas.microsoft.com/office/powerpoint/2010/main" val="3391089560"/>
       </p:ext>
     </p:extLst>
   </p:cSld>
@@ -2470,7 +2470,7 @@
           <p:cNvPr id="2" name="标题 1">
             <a:extLst>
               <a:ext uri="{FF2B5EF4-FFF2-40B4-BE49-F238E27FC236}">
-                <a16:creationId xmlns:a16="http://schemas.microsoft.com/office/drawing/2014/main" id="{C3FA4FE0-1A1B-A8A5-FF2A-CEBA41442590}"/>
+                <a16:creationId xmlns:a16="http://schemas.microsoft.com/office/drawing/2014/main" id="{C89CC23C-ED81-D67A-E33D-64587E566E6C}"/>
               </a:ext>
             </a:extLst>
           </p:cNvPr>
@@ -2507,7 +2507,7 @@
           <p:cNvPr id="3" name="图片占位符 2">
             <a:extLst>
               <a:ext uri="{FF2B5EF4-FFF2-40B4-BE49-F238E27FC236}">
-                <a16:creationId xmlns:a16="http://schemas.microsoft.com/office/drawing/2014/main" id="{AC0DE4C0-6C21-33EC-5514-ACAF07084784}"/>
+                <a16:creationId xmlns:a16="http://schemas.microsoft.com/office/drawing/2014/main" id="{75C6B9FB-3FDD-97B5-A9E8-FB27E9DC34AA}"/>
               </a:ext>
             </a:extLst>
           </p:cNvPr>
@@ -2574,7 +2574,7 @@
           <p:cNvPr id="4" name="文本占位符 3">
             <a:extLst>
               <a:ext uri="{FF2B5EF4-FFF2-40B4-BE49-F238E27FC236}">
-                <a16:creationId xmlns:a16="http://schemas.microsoft.com/office/drawing/2014/main" id="{06BF6A86-9E02-DE98-E517-A919DFB41B39}"/>
+                <a16:creationId xmlns:a16="http://schemas.microsoft.com/office/drawing/2014/main" id="{70B1A39A-BAE6-F3C9-B49D-A371CC883FC5}"/>
               </a:ext>
             </a:extLst>
           </p:cNvPr>
@@ -2645,7 +2645,7 @@
           <p:cNvPr id="5" name="日期占位符 4">
             <a:extLst>
               <a:ext uri="{FF2B5EF4-FFF2-40B4-BE49-F238E27FC236}">
-                <a16:creationId xmlns:a16="http://schemas.microsoft.com/office/drawing/2014/main" id="{84F247AA-AA82-E9EA-0AD4-28B7A5F88DA7}"/>
+                <a16:creationId xmlns:a16="http://schemas.microsoft.com/office/drawing/2014/main" id="{758179E1-AE15-AD95-8E34-459892FECA4C}"/>
               </a:ext>
             </a:extLst>
           </p:cNvPr>
@@ -2661,7 +2661,7 @@
           <a:bodyPr/>
           <a:lstStyle/>
           <a:p>
-            <a:fld id="{9DD9A82A-7D73-4D24-A711-F6604E32EC46}" type="datetimeFigureOut">
+            <a:fld id="{DC521555-95EC-4EE4-8588-CD359E74DFA8}" type="datetimeFigureOut">
               <a:rPr lang="zh-CN" altLang="en-US" smtClean="0"/>
               <a:t>2024/3/10</a:t>
             </a:fld>
@@ -2674,7 +2674,7 @@
           <p:cNvPr id="6" name="页脚占位符 5">
             <a:extLst>
               <a:ext uri="{FF2B5EF4-FFF2-40B4-BE49-F238E27FC236}">
-                <a16:creationId xmlns:a16="http://schemas.microsoft.com/office/drawing/2014/main" id="{FDDDA0F8-9418-1754-0D8F-3965872D5DF8}"/>
+                <a16:creationId xmlns:a16="http://schemas.microsoft.com/office/drawing/2014/main" id="{7D304270-17A7-FF7C-7A7C-7B1ED36A821E}"/>
               </a:ext>
             </a:extLst>
           </p:cNvPr>
@@ -2699,7 +2699,7 @@
           <p:cNvPr id="7" name="灯片编号占位符 6">
             <a:extLst>
               <a:ext uri="{FF2B5EF4-FFF2-40B4-BE49-F238E27FC236}">
-                <a16:creationId xmlns:a16="http://schemas.microsoft.com/office/drawing/2014/main" id="{85895677-0C27-9399-2206-1D48DFBC6828}"/>
+                <a16:creationId xmlns:a16="http://schemas.microsoft.com/office/drawing/2014/main" id="{FB6C0FBD-1198-9365-A089-3F1947465846}"/>
               </a:ext>
             </a:extLst>
           </p:cNvPr>
@@ -2715,7 +2715,7 @@
           <a:bodyPr/>
           <a:lstStyle/>
           <a:p>
-            <a:fld id="{37A5B6D0-B6DF-4BF6-92E1-FE50665420B1}" type="slidenum">
+            <a:fld id="{6FF5888B-D928-429D-978D-FCCD92FEB041}" type="slidenum">
               <a:rPr lang="zh-CN" altLang="en-US" smtClean="0"/>
               <a:t>‹#›</a:t>
             </a:fld>
@@ -2726,7 +2726,7 @@
     </p:spTree>
     <p:extLst>
       <p:ext uri="{BB962C8B-B14F-4D97-AF65-F5344CB8AC3E}">
-        <p14:creationId xmlns:p14="http://schemas.microsoft.com/office/powerpoint/2010/main" val="2619563393"/>
+        <p14:creationId xmlns:p14="http://schemas.microsoft.com/office/powerpoint/2010/main" val="723179093"/>
       </p:ext>
     </p:extLst>
   </p:cSld>
@@ -2763,7 +2763,7 @@
           <p:cNvPr id="2" name="标题占位符 1">
             <a:extLst>
               <a:ext uri="{FF2B5EF4-FFF2-40B4-BE49-F238E27FC236}">
-                <a16:creationId xmlns:a16="http://schemas.microsoft.com/office/drawing/2014/main" id="{DE02CC6F-573A-9F06-4F12-E140D2760FE9}"/>
+                <a16:creationId xmlns:a16="http://schemas.microsoft.com/office/drawing/2014/main" id="{DFC9F832-60EF-0FEC-5D1D-25938E8B27D7}"/>
               </a:ext>
             </a:extLst>
           </p:cNvPr>
@@ -2801,7 +2801,7 @@
           <p:cNvPr id="3" name="文本占位符 2">
             <a:extLst>
               <a:ext uri="{FF2B5EF4-FFF2-40B4-BE49-F238E27FC236}">
-                <a16:creationId xmlns:a16="http://schemas.microsoft.com/office/drawing/2014/main" id="{413F385A-5452-7C42-6B5E-C067EDFAFAFD}"/>
+                <a16:creationId xmlns:a16="http://schemas.microsoft.com/office/drawing/2014/main" id="{0FA476D3-FD19-9CA5-E09E-53B8F7F239B4}"/>
               </a:ext>
             </a:extLst>
           </p:cNvPr>
@@ -2868,7 +2868,7 @@
           <p:cNvPr id="4" name="日期占位符 3">
             <a:extLst>
               <a:ext uri="{FF2B5EF4-FFF2-40B4-BE49-F238E27FC236}">
-                <a16:creationId xmlns:a16="http://schemas.microsoft.com/office/drawing/2014/main" id="{A6AE7F64-AD68-40B9-DB95-711C6DA4453A}"/>
+                <a16:creationId xmlns:a16="http://schemas.microsoft.com/office/drawing/2014/main" id="{23308CEC-E152-BBB7-8B1B-D3DE3D8D9B2F}"/>
               </a:ext>
             </a:extLst>
           </p:cNvPr>
@@ -2902,7 +2902,7 @@
             </a:lvl1pPr>
           </a:lstStyle>
           <a:p>
-            <a:fld id="{9DD9A82A-7D73-4D24-A711-F6604E32EC46}" type="datetimeFigureOut">
+            <a:fld id="{DC521555-95EC-4EE4-8588-CD359E74DFA8}" type="datetimeFigureOut">
               <a:rPr lang="zh-CN" altLang="en-US" smtClean="0"/>
               <a:t>2024/3/10</a:t>
             </a:fld>
@@ -2915,7 +2915,7 @@
           <p:cNvPr id="5" name="页脚占位符 4">
             <a:extLst>
               <a:ext uri="{FF2B5EF4-FFF2-40B4-BE49-F238E27FC236}">
-                <a16:creationId xmlns:a16="http://schemas.microsoft.com/office/drawing/2014/main" id="{6E786244-4F47-C4B7-6D0A-8C987C931BFA}"/>
+                <a16:creationId xmlns:a16="http://schemas.microsoft.com/office/drawing/2014/main" id="{F5F3AEAE-06AB-5C2C-6EE5-E482EC04FFD3}"/>
               </a:ext>
             </a:extLst>
           </p:cNvPr>
@@ -2958,7 +2958,7 @@
           <p:cNvPr id="6" name="灯片编号占位符 5">
             <a:extLst>
               <a:ext uri="{FF2B5EF4-FFF2-40B4-BE49-F238E27FC236}">
-                <a16:creationId xmlns:a16="http://schemas.microsoft.com/office/drawing/2014/main" id="{66EB0B07-22CB-C3B9-C6F1-B69FFFBA3156}"/>
+                <a16:creationId xmlns:a16="http://schemas.microsoft.com/office/drawing/2014/main" id="{BF9269D5-6C2B-8B03-AEFE-C03E82228CFA}"/>
               </a:ext>
             </a:extLst>
           </p:cNvPr>
@@ -2992,7 +2992,7 @@
             </a:lvl1pPr>
           </a:lstStyle>
           <a:p>
-            <a:fld id="{37A5B6D0-B6DF-4BF6-92E1-FE50665420B1}" type="slidenum">
+            <a:fld id="{6FF5888B-D928-429D-978D-FCCD92FEB041}" type="slidenum">
               <a:rPr lang="zh-CN" altLang="en-US" smtClean="0"/>
               <a:t>‹#›</a:t>
             </a:fld>
@@ -3003,7 +3003,7 @@
     </p:spTree>
     <p:extLst>
       <p:ext uri="{BB962C8B-B14F-4D97-AF65-F5344CB8AC3E}">
-        <p14:creationId xmlns:p14="http://schemas.microsoft.com/office/powerpoint/2010/main" val="2741387986"/>
+        <p14:creationId xmlns:p14="http://schemas.microsoft.com/office/powerpoint/2010/main" val="1398619511"/>
       </p:ext>
     </p:extLst>
   </p:cSld>
@@ -3323,7 +3323,7 @@
       </p:grpSpPr>
       <p:pic>
         <p:nvPicPr>
-          <p:cNvPr id="1273858" name="Picture 2" descr="1243"/>
+          <p:cNvPr id="1274882" name="Picture 2" descr="1244"/>
           <p:cNvPicPr>
             <a:picLocks noChangeAspect="1" noChangeArrowheads="1"/>
           </p:cNvPicPr>
@@ -3375,11 +3375,275 @@
           </a:extLst>
         </p:spPr>
       </p:pic>
+      <p:pic>
+        <p:nvPicPr>
+          <p:cNvPr id="1275907" name="Picture 3" descr="1244-2"/>
+          <p:cNvPicPr>
+            <a:picLocks noChangeAspect="1" noChangeArrowheads="1"/>
+          </p:cNvPicPr>
+          <p:nvPr/>
+        </p:nvPicPr>
+        <p:blipFill>
+          <a:blip r:embed="rId3">
+            <a:extLst>
+              <a:ext uri="{28A0092B-C50C-407E-A947-70E740481C1C}">
+                <a14:useLocalDpi xmlns:a14="http://schemas.microsoft.com/office/drawing/2010/main" val="0"/>
+              </a:ext>
+            </a:extLst>
+          </a:blip>
+          <a:srcRect/>
+          <a:stretch>
+            <a:fillRect/>
+          </a:stretch>
+        </p:blipFill>
+        <p:spPr bwMode="auto">
+          <a:xfrm>
+            <a:off x="1560513" y="0"/>
+            <a:ext cx="9144000" cy="6858000"/>
+          </a:xfrm>
+          <a:prstGeom prst="rect">
+            <a:avLst/>
+          </a:prstGeom>
+          <a:noFill/>
+          <a:ln>
+            <a:noFill/>
+          </a:ln>
+          <a:effectLst/>
+          <a:extLst>
+            <a:ext uri="{909E8E84-426E-40DD-AFC4-6F175D3DCCD1}">
+              <a14:hiddenFill xmlns:a14="http://schemas.microsoft.com/office/drawing/2010/main">
+                <a:solidFill>
+                  <a:srgbClr val="FFFFFF"/>
+                </a:solidFill>
+              </a14:hiddenFill>
+            </a:ext>
+            <a:ext uri="{91240B29-F687-4F45-9708-019B960494DF}">
+              <a14:hiddenLine xmlns:a14="http://schemas.microsoft.com/office/drawing/2010/main" w="9525">
+                <a:solidFill>
+                  <a:srgbClr val="000000"/>
+                </a:solidFill>
+                <a:miter lim="800000"/>
+                <a:headEnd/>
+                <a:tailEnd/>
+              </a14:hiddenLine>
+            </a:ext>
+            <a:ext uri="{AF507438-7753-43E0-B8FC-AC1667EBCBE1}">
+              <a14:hiddenEffects xmlns:a14="http://schemas.microsoft.com/office/drawing/2010/main">
+                <a:effectLst>
+                  <a:outerShdw dist="35921" dir="2700000" algn="ctr" rotWithShape="0">
+                    <a:srgbClr val="808080"/>
+                  </a:outerShdw>
+                </a:effectLst>
+              </a14:hiddenEffects>
+            </a:ext>
+          </a:extLst>
+        </p:spPr>
+      </p:pic>
+      <p:pic>
+        <p:nvPicPr>
+          <p:cNvPr id="1275908" name="Picture 4" descr="1244-3"/>
+          <p:cNvPicPr>
+            <a:picLocks noChangeAspect="1" noChangeArrowheads="1"/>
+          </p:cNvPicPr>
+          <p:nvPr/>
+        </p:nvPicPr>
+        <p:blipFill>
+          <a:blip r:embed="rId4">
+            <a:extLst>
+              <a:ext uri="{28A0092B-C50C-407E-A947-70E740481C1C}">
+                <a14:useLocalDpi xmlns:a14="http://schemas.microsoft.com/office/drawing/2010/main" val="0"/>
+              </a:ext>
+            </a:extLst>
+          </a:blip>
+          <a:srcRect/>
+          <a:stretch>
+            <a:fillRect/>
+          </a:stretch>
+        </p:blipFill>
+        <p:spPr bwMode="auto">
+          <a:xfrm>
+            <a:off x="1525588" y="1"/>
+            <a:ext cx="9180512" cy="6886575"/>
+          </a:xfrm>
+          <a:prstGeom prst="rect">
+            <a:avLst/>
+          </a:prstGeom>
+          <a:noFill/>
+          <a:ln>
+            <a:noFill/>
+          </a:ln>
+          <a:effectLst/>
+          <a:extLst>
+            <a:ext uri="{909E8E84-426E-40DD-AFC4-6F175D3DCCD1}">
+              <a14:hiddenFill xmlns:a14="http://schemas.microsoft.com/office/drawing/2010/main">
+                <a:solidFill>
+                  <a:srgbClr val="FFFFFF"/>
+                </a:solidFill>
+              </a14:hiddenFill>
+            </a:ext>
+            <a:ext uri="{91240B29-F687-4F45-9708-019B960494DF}">
+              <a14:hiddenLine xmlns:a14="http://schemas.microsoft.com/office/drawing/2010/main" w="9525">
+                <a:solidFill>
+                  <a:srgbClr val="000000"/>
+                </a:solidFill>
+                <a:miter lim="800000"/>
+                <a:headEnd/>
+                <a:tailEnd/>
+              </a14:hiddenLine>
+            </a:ext>
+            <a:ext uri="{AF507438-7753-43E0-B8FC-AC1667EBCBE1}">
+              <a14:hiddenEffects xmlns:a14="http://schemas.microsoft.com/office/drawing/2010/main">
+                <a:effectLst>
+                  <a:outerShdw dist="35921" dir="2700000" algn="ctr" rotWithShape="0">
+                    <a:srgbClr val="808080"/>
+                  </a:outerShdw>
+                </a:effectLst>
+              </a14:hiddenEffects>
+            </a:ext>
+          </a:extLst>
+        </p:spPr>
+      </p:pic>
     </p:spTree>
   </p:cSld>
   <p:clrMapOvr>
     <a:masterClrMapping/>
   </p:clrMapOvr>
+  <p:timing>
+    <p:tnLst>
+      <p:par>
+        <p:cTn id="1" dur="indefinite" restart="never" nodeType="tmRoot">
+          <p:childTnLst>
+            <p:seq concurrent="1" nextAc="seek">
+              <p:cTn id="2" dur="indefinite" nodeType="mainSeq">
+                <p:childTnLst>
+                  <p:par>
+                    <p:cTn id="3" fill="hold" nodeType="clickPar">
+                      <p:stCondLst>
+                        <p:cond delay="indefinite"/>
+                      </p:stCondLst>
+                      <p:childTnLst>
+                        <p:par>
+                          <p:cTn id="4" fill="hold" nodeType="withGroup">
+                            <p:stCondLst>
+                              <p:cond delay="0"/>
+                            </p:stCondLst>
+                            <p:childTnLst>
+                              <p:par>
+                                <p:cTn id="5" presetID="10" presetClass="entr" presetSubtype="0" fill="hold" nodeType="clickEffect">
+                                  <p:stCondLst>
+                                    <p:cond delay="0"/>
+                                  </p:stCondLst>
+                                  <p:childTnLst>
+                                    <p:set>
+                                      <p:cBhvr>
+                                        <p:cTn id="6" dur="1" fill="hold">
+                                          <p:stCondLst>
+                                            <p:cond delay="0"/>
+                                          </p:stCondLst>
+                                        </p:cTn>
+                                        <p:tgtEl>
+                                          <p:spTgt spid="1275907"/>
+                                        </p:tgtEl>
+                                        <p:attrNameLst>
+                                          <p:attrName>style.visibility</p:attrName>
+                                        </p:attrNameLst>
+                                      </p:cBhvr>
+                                      <p:to>
+                                        <p:strVal val="visible"/>
+                                      </p:to>
+                                    </p:set>
+                                    <p:animEffect transition="in" filter="fade">
+                                      <p:cBhvr>
+                                        <p:cTn id="7" dur="500"/>
+                                        <p:tgtEl>
+                                          <p:spTgt spid="1275907"/>
+                                        </p:tgtEl>
+                                      </p:cBhvr>
+                                    </p:animEffect>
+                                  </p:childTnLst>
+                                </p:cTn>
+                              </p:par>
+                            </p:childTnLst>
+                          </p:cTn>
+                        </p:par>
+                      </p:childTnLst>
+                    </p:cTn>
+                  </p:par>
+                  <p:par>
+                    <p:cTn id="8" fill="hold" nodeType="clickPar">
+                      <p:stCondLst>
+                        <p:cond delay="indefinite"/>
+                      </p:stCondLst>
+                      <p:childTnLst>
+                        <p:par>
+                          <p:cTn id="9" fill="hold" nodeType="withGroup">
+                            <p:stCondLst>
+                              <p:cond delay="0"/>
+                            </p:stCondLst>
+                            <p:childTnLst>
+                              <p:par>
+                                <p:cTn id="10" presetID="10" presetClass="entr" presetSubtype="0" fill="hold" nodeType="clickEffect">
+                                  <p:stCondLst>
+                                    <p:cond delay="0"/>
+                                  </p:stCondLst>
+                                  <p:childTnLst>
+                                    <p:set>
+                                      <p:cBhvr>
+                                        <p:cTn id="11" dur="1" fill="hold">
+                                          <p:stCondLst>
+                                            <p:cond delay="0"/>
+                                          </p:stCondLst>
+                                        </p:cTn>
+                                        <p:tgtEl>
+                                          <p:spTgt spid="1275908"/>
+                                        </p:tgtEl>
+                                        <p:attrNameLst>
+                                          <p:attrName>style.visibility</p:attrName>
+                                        </p:attrNameLst>
+                                      </p:cBhvr>
+                                      <p:to>
+                                        <p:strVal val="visible"/>
+                                      </p:to>
+                                    </p:set>
+                                    <p:animEffect transition="in" filter="fade">
+                                      <p:cBhvr>
+                                        <p:cTn id="12" dur="500"/>
+                                        <p:tgtEl>
+                                          <p:spTgt spid="1275908"/>
+                                        </p:tgtEl>
+                                      </p:cBhvr>
+                                    </p:animEffect>
+                                  </p:childTnLst>
+                                </p:cTn>
+                              </p:par>
+                            </p:childTnLst>
+                          </p:cTn>
+                        </p:par>
+                      </p:childTnLst>
+                    </p:cTn>
+                  </p:par>
+                </p:childTnLst>
+              </p:cTn>
+              <p:prevCondLst>
+                <p:cond evt="onPrev" delay="0">
+                  <p:tgtEl>
+                    <p:sldTgt/>
+                  </p:tgtEl>
+                </p:cond>
+              </p:prevCondLst>
+              <p:nextCondLst>
+                <p:cond evt="onNext" delay="0">
+                  <p:tgtEl>
+                    <p:sldTgt/>
+                  </p:tgtEl>
+                </p:cond>
+              </p:nextCondLst>
+            </p:seq>
+          </p:childTnLst>
+        </p:cTn>
+      </p:par>
+    </p:tnLst>
+  </p:timing>
 </p:sld>
 </file>
 
